--- a/Capsuleuse/Divers/ChaineFonctionnelle.pptx
+++ b/Capsuleuse/Divers/ChaineFonctionnelle.pptx
@@ -292,7 +292,7 @@
             <a:fld id="{AA309A6D-C09C-4548-B29A-6CF363A7E532}" type="datetimeFigureOut">
               <a:rPr lang="fr-FR" smtClean="0"/>
               <a:pPr/>
-              <a:t>10/09/2014</a:t>
+              <a:t>11/09/2014</a:t>
             </a:fld>
             <a:endParaRPr lang="fr-BE"/>
           </a:p>
@@ -459,7 +459,7 @@
             <a:fld id="{AA309A6D-C09C-4548-B29A-6CF363A7E532}" type="datetimeFigureOut">
               <a:rPr lang="fr-FR" smtClean="0"/>
               <a:pPr/>
-              <a:t>10/09/2014</a:t>
+              <a:t>11/09/2014</a:t>
             </a:fld>
             <a:endParaRPr lang="fr-BE"/>
           </a:p>
@@ -636,7 +636,7 @@
             <a:fld id="{AA309A6D-C09C-4548-B29A-6CF363A7E532}" type="datetimeFigureOut">
               <a:rPr lang="fr-FR" smtClean="0"/>
               <a:pPr/>
-              <a:t>10/09/2014</a:t>
+              <a:t>11/09/2014</a:t>
             </a:fld>
             <a:endParaRPr lang="fr-BE"/>
           </a:p>
@@ -803,7 +803,7 @@
             <a:fld id="{AA309A6D-C09C-4548-B29A-6CF363A7E532}" type="datetimeFigureOut">
               <a:rPr lang="fr-FR" smtClean="0"/>
               <a:pPr/>
-              <a:t>10/09/2014</a:t>
+              <a:t>11/09/2014</a:t>
             </a:fld>
             <a:endParaRPr lang="fr-BE"/>
           </a:p>
@@ -1046,7 +1046,7 @@
             <a:fld id="{AA309A6D-C09C-4548-B29A-6CF363A7E532}" type="datetimeFigureOut">
               <a:rPr lang="fr-FR" smtClean="0"/>
               <a:pPr/>
-              <a:t>10/09/2014</a:t>
+              <a:t>11/09/2014</a:t>
             </a:fld>
             <a:endParaRPr lang="fr-BE"/>
           </a:p>
@@ -1331,7 +1331,7 @@
             <a:fld id="{AA309A6D-C09C-4548-B29A-6CF363A7E532}" type="datetimeFigureOut">
               <a:rPr lang="fr-FR" smtClean="0"/>
               <a:pPr/>
-              <a:t>10/09/2014</a:t>
+              <a:t>11/09/2014</a:t>
             </a:fld>
             <a:endParaRPr lang="fr-BE"/>
           </a:p>
@@ -1750,7 +1750,7 @@
             <a:fld id="{AA309A6D-C09C-4548-B29A-6CF363A7E532}" type="datetimeFigureOut">
               <a:rPr lang="fr-FR" smtClean="0"/>
               <a:pPr/>
-              <a:t>10/09/2014</a:t>
+              <a:t>11/09/2014</a:t>
             </a:fld>
             <a:endParaRPr lang="fr-BE"/>
           </a:p>
@@ -1865,7 +1865,7 @@
             <a:fld id="{AA309A6D-C09C-4548-B29A-6CF363A7E532}" type="datetimeFigureOut">
               <a:rPr lang="fr-FR" smtClean="0"/>
               <a:pPr/>
-              <a:t>10/09/2014</a:t>
+              <a:t>11/09/2014</a:t>
             </a:fld>
             <a:endParaRPr lang="fr-BE"/>
           </a:p>
@@ -1957,7 +1957,7 @@
             <a:fld id="{AA309A6D-C09C-4548-B29A-6CF363A7E532}" type="datetimeFigureOut">
               <a:rPr lang="fr-FR" smtClean="0"/>
               <a:pPr/>
-              <a:t>10/09/2014</a:t>
+              <a:t>11/09/2014</a:t>
             </a:fld>
             <a:endParaRPr lang="fr-BE"/>
           </a:p>
@@ -2231,7 +2231,7 @@
             <a:fld id="{AA309A6D-C09C-4548-B29A-6CF363A7E532}" type="datetimeFigureOut">
               <a:rPr lang="fr-FR" smtClean="0"/>
               <a:pPr/>
-              <a:t>10/09/2014</a:t>
+              <a:t>11/09/2014</a:t>
             </a:fld>
             <a:endParaRPr lang="fr-BE"/>
           </a:p>
@@ -2481,7 +2481,7 @@
             <a:fld id="{AA309A6D-C09C-4548-B29A-6CF363A7E532}" type="datetimeFigureOut">
               <a:rPr lang="fr-FR" smtClean="0"/>
               <a:pPr/>
-              <a:t>10/09/2014</a:t>
+              <a:t>11/09/2014</a:t>
             </a:fld>
             <a:endParaRPr lang="fr-BE"/>
           </a:p>
@@ -2691,7 +2691,7 @@
             <a:fld id="{AA309A6D-C09C-4548-B29A-6CF363A7E532}" type="datetimeFigureOut">
               <a:rPr lang="fr-FR" smtClean="0"/>
               <a:pPr/>
-              <a:t>10/09/2014</a:t>
+              <a:t>11/09/2014</a:t>
             </a:fld>
             <a:endParaRPr lang="fr-BE"/>
           </a:p>
@@ -6802,39 +6802,8 @@
                 <a:ea typeface="+mn-ea"/>
                 <a:cs typeface="+mn-cs"/>
               </a:rPr>
-              <a:t>Chaîne </a:t>
-            </a:r>
-            <a:r>
-              <a:rPr kumimoji="0" lang="fr-FR" sz="1400" b="0" i="1" u="none" strike="noStrike" kern="0" cap="none" spc="0" normalizeH="0" baseline="0" noProof="0" dirty="0" smtClean="0">
-                <a:ln>
-                  <a:noFill/>
-                </a:ln>
-                <a:solidFill>
-                  <a:prstClr val="black"/>
-                </a:solidFill>
-                <a:effectLst/>
-                <a:uLnTx/>
-                <a:uFillTx/>
-                <a:latin typeface="Calibri"/>
-                <a:ea typeface="+mn-ea"/>
-                <a:cs typeface="+mn-cs"/>
-              </a:rPr>
-              <a:t>d’énergie		</a:t>
-            </a:r>
-            <a:endParaRPr kumimoji="0" lang="fr-FR" sz="1400" b="0" i="1" u="none" strike="noStrike" kern="0" cap="none" spc="0" normalizeH="0" baseline="0" noProof="0" dirty="0" smtClean="0">
-              <a:ln>
-                <a:noFill/>
-              </a:ln>
-              <a:solidFill>
-                <a:prstClr val="black"/>
-              </a:solidFill>
-              <a:effectLst/>
-              <a:uLnTx/>
-              <a:uFillTx/>
-              <a:latin typeface="Calibri"/>
-              <a:ea typeface="+mn-ea"/>
-              <a:cs typeface="+mn-cs"/>
-            </a:endParaRPr>
+              <a:t>Chaîne d’énergie		</a:t>
+            </a:r>
           </a:p>
         </p:txBody>
       </p:sp>
@@ -7306,20 +7275,6 @@
               </a:rPr>
               <a:t>Croix de Malte</a:t>
             </a:r>
-            <a:endParaRPr kumimoji="0" lang="fr-FR" sz="1400" b="0" i="0" u="none" strike="noStrike" kern="0" cap="none" spc="0" normalizeH="0" baseline="0" noProof="0" dirty="0" smtClean="0">
-              <a:ln>
-                <a:noFill/>
-              </a:ln>
-              <a:solidFill>
-                <a:prstClr val="black"/>
-              </a:solidFill>
-              <a:effectLst/>
-              <a:uLnTx/>
-              <a:uFillTx/>
-              <a:latin typeface="Calibri"/>
-              <a:ea typeface="+mn-ea"/>
-              <a:cs typeface="+mn-cs"/>
-            </a:endParaRPr>
           </a:p>
         </p:txBody>
       </p:sp>
@@ -8522,7 +8477,7 @@
                 <a:ea typeface="+mn-ea"/>
                 <a:cs typeface="+mn-cs"/>
               </a:rPr>
-              <a:t>Chaîne </a:t>
+              <a:t>	               Chaîne </a:t>
             </a:r>
             <a:r>
               <a:rPr kumimoji="0" lang="fr-FR" sz="1400" b="0" i="1" u="none" strike="noStrike" kern="0" cap="none" spc="0" normalizeH="0" baseline="0" noProof="0" dirty="0" smtClean="0">
@@ -8541,20 +8496,6 @@
               </a:rPr>
               <a:t>d’énergie		</a:t>
             </a:r>
-            <a:endParaRPr kumimoji="0" lang="fr-FR" sz="1400" b="0" i="1" u="none" strike="noStrike" kern="0" cap="none" spc="0" normalizeH="0" baseline="0" noProof="0" dirty="0" smtClean="0">
-              <a:ln>
-                <a:noFill/>
-              </a:ln>
-              <a:solidFill>
-                <a:prstClr val="black"/>
-              </a:solidFill>
-              <a:effectLst/>
-              <a:uLnTx/>
-              <a:uFillTx/>
-              <a:latin typeface="Calibri"/>
-              <a:ea typeface="+mn-ea"/>
-              <a:cs typeface="+mn-cs"/>
-            </a:endParaRPr>
           </a:p>
         </p:txBody>
       </p:sp>
@@ -9193,7 +9134,7 @@
         </p:nvSpPr>
         <p:spPr>
           <a:xfrm>
-            <a:off x="192262" y="1643177"/>
+            <a:off x="192262" y="1700327"/>
             <a:ext cx="2924504" cy="338554"/>
           </a:xfrm>
           <a:prstGeom prst="rect">
@@ -9680,7 +9621,7 @@
         </p:nvSpPr>
         <p:spPr>
           <a:xfrm>
-            <a:off x="9644098" y="5072074"/>
+            <a:off x="9572660" y="5072074"/>
             <a:ext cx="1714512" cy="646331"/>
           </a:xfrm>
           <a:prstGeom prst="rect">
@@ -9754,7 +9695,7 @@
           <p:nvPr/>
         </p:nvPicPr>
         <p:blipFill>
-          <a:blip r:embed="rId3"/>
+          <a:blip r:embed="rId3" cstate="print"/>
           <a:srcRect/>
           <a:stretch>
             <a:fillRect/>
@@ -9762,13 +9703,249 @@
         </p:blipFill>
         <p:spPr bwMode="auto">
           <a:xfrm>
-            <a:off x="214282" y="4143380"/>
-            <a:ext cx="1000132" cy="1850245"/>
+            <a:off x="3428992" y="5072074"/>
+            <a:ext cx="642942" cy="1189443"/>
           </a:xfrm>
           <a:prstGeom prst="rect">
             <a:avLst/>
           </a:prstGeom>
           <a:noFill/>
+        </p:spPr>
+      </p:pic>
+      <p:sp>
+        <p:nvSpPr>
+          <p:cNvPr id="30" name="Rectangle 29"/>
+          <p:cNvSpPr/>
+          <p:nvPr/>
+        </p:nvSpPr>
+        <p:spPr>
+          <a:xfrm>
+            <a:off x="7286644" y="5000636"/>
+            <a:ext cx="1357290" cy="1357322"/>
+          </a:xfrm>
+          <a:prstGeom prst="wedgeRectCallout">
+            <a:avLst>
+              <a:gd name="adj1" fmla="val 19980"/>
+              <a:gd name="adj2" fmla="val -123211"/>
+            </a:avLst>
+          </a:prstGeom>
+          <a:noFill/>
+          <a:ln w="12700">
+            <a:solidFill>
+              <a:srgbClr val="002060"/>
+            </a:solidFill>
+            <a:prstDash val="dash"/>
+          </a:ln>
+        </p:spPr>
+        <p:style>
+          <a:lnRef idx="2">
+            <a:schemeClr val="accent1">
+              <a:shade val="50000"/>
+            </a:schemeClr>
+          </a:lnRef>
+          <a:fillRef idx="1">
+            <a:schemeClr val="accent1"/>
+          </a:fillRef>
+          <a:effectRef idx="0">
+            <a:schemeClr val="accent1"/>
+          </a:effectRef>
+          <a:fontRef idx="minor">
+            <a:schemeClr val="lt1"/>
+          </a:fontRef>
+        </p:style>
+        <p:txBody>
+          <a:bodyPr rtlCol="0" anchor="t"/>
+          <a:lstStyle/>
+          <a:p>
+            <a:pPr algn="ctr"/>
+            <a:endParaRPr lang="fr-FR" sz="1400" dirty="0">
+              <a:solidFill>
+                <a:schemeClr val="tx1"/>
+              </a:solidFill>
+            </a:endParaRPr>
+          </a:p>
+        </p:txBody>
+      </p:sp>
+      <p:pic>
+        <p:nvPicPr>
+          <p:cNvPr id="31" name="Picture 4"/>
+          <p:cNvPicPr>
+            <a:picLocks noChangeAspect="1" noChangeArrowheads="1"/>
+          </p:cNvPicPr>
+          <p:nvPr/>
+        </p:nvPicPr>
+        <p:blipFill>
+          <a:blip r:embed="rId2" cstate="print"/>
+          <a:srcRect l="50002" t="13620"/>
+          <a:stretch>
+            <a:fillRect/>
+          </a:stretch>
+        </p:blipFill>
+        <p:spPr bwMode="auto">
+          <a:xfrm>
+            <a:off x="7643834" y="5286388"/>
+            <a:ext cx="785786" cy="906171"/>
+          </a:xfrm>
+          <a:prstGeom prst="rect">
+            <a:avLst/>
+          </a:prstGeom>
+          <a:noFill/>
+          <a:ln w="9525">
+            <a:noFill/>
+            <a:miter lim="800000"/>
+            <a:headEnd/>
+            <a:tailEnd/>
+          </a:ln>
+          <a:effectLst/>
+        </p:spPr>
+      </p:pic>
+      <p:sp>
+        <p:nvSpPr>
+          <p:cNvPr id="33" name="Rectangle 32"/>
+          <p:cNvSpPr/>
+          <p:nvPr/>
+        </p:nvSpPr>
+        <p:spPr>
+          <a:xfrm>
+            <a:off x="3000364" y="5000636"/>
+            <a:ext cx="1428760" cy="1357322"/>
+          </a:xfrm>
+          <a:prstGeom prst="wedgeRectCallout">
+            <a:avLst>
+              <a:gd name="adj1" fmla="val 19980"/>
+              <a:gd name="adj2" fmla="val -123211"/>
+            </a:avLst>
+          </a:prstGeom>
+          <a:noFill/>
+          <a:ln w="12700">
+            <a:solidFill>
+              <a:srgbClr val="002060"/>
+            </a:solidFill>
+            <a:prstDash val="dash"/>
+          </a:ln>
+        </p:spPr>
+        <p:style>
+          <a:lnRef idx="2">
+            <a:schemeClr val="accent1">
+              <a:shade val="50000"/>
+            </a:schemeClr>
+          </a:lnRef>
+          <a:fillRef idx="1">
+            <a:schemeClr val="accent1"/>
+          </a:fillRef>
+          <a:effectRef idx="0">
+            <a:schemeClr val="accent1"/>
+          </a:effectRef>
+          <a:fontRef idx="minor">
+            <a:schemeClr val="lt1"/>
+          </a:fontRef>
+        </p:style>
+        <p:txBody>
+          <a:bodyPr rtlCol="0" anchor="t"/>
+          <a:lstStyle/>
+          <a:p>
+            <a:pPr algn="ctr"/>
+            <a:endParaRPr lang="fr-FR" sz="1400" dirty="0">
+              <a:solidFill>
+                <a:schemeClr val="tx1"/>
+              </a:solidFill>
+            </a:endParaRPr>
+          </a:p>
+        </p:txBody>
+      </p:sp>
+      <p:sp>
+        <p:nvSpPr>
+          <p:cNvPr id="34" name="Rectangle 33"/>
+          <p:cNvSpPr/>
+          <p:nvPr/>
+        </p:nvSpPr>
+        <p:spPr>
+          <a:xfrm>
+            <a:off x="2500298" y="357166"/>
+            <a:ext cx="2214578" cy="1428760"/>
+          </a:xfrm>
+          <a:prstGeom prst="wedgeRectCallout">
+            <a:avLst>
+              <a:gd name="adj1" fmla="val 280"/>
+              <a:gd name="adj2" fmla="val 96802"/>
+            </a:avLst>
+          </a:prstGeom>
+          <a:noFill/>
+          <a:ln w="12700">
+            <a:solidFill>
+              <a:srgbClr val="002060"/>
+            </a:solidFill>
+            <a:prstDash val="dash"/>
+          </a:ln>
+        </p:spPr>
+        <p:style>
+          <a:lnRef idx="2">
+            <a:schemeClr val="accent1">
+              <a:shade val="50000"/>
+            </a:schemeClr>
+          </a:lnRef>
+          <a:fillRef idx="1">
+            <a:schemeClr val="accent1"/>
+          </a:fillRef>
+          <a:effectRef idx="0">
+            <a:schemeClr val="accent1"/>
+          </a:effectRef>
+          <a:fontRef idx="minor">
+            <a:schemeClr val="lt1"/>
+          </a:fontRef>
+        </p:style>
+        <p:txBody>
+          <a:bodyPr rtlCol="0" anchor="t"/>
+          <a:lstStyle/>
+          <a:p>
+            <a:pPr algn="ctr"/>
+            <a:r>
+              <a:rPr lang="fr-FR" sz="1200" dirty="0" smtClean="0">
+                <a:solidFill>
+                  <a:schemeClr val="tx1"/>
+                </a:solidFill>
+              </a:rPr>
+              <a:t>Télémécanique TSX Micro</a:t>
+            </a:r>
+            <a:endParaRPr lang="fr-FR" sz="1200" dirty="0">
+              <a:solidFill>
+                <a:schemeClr val="tx1"/>
+              </a:solidFill>
+            </a:endParaRPr>
+          </a:p>
+        </p:txBody>
+      </p:sp>
+      <p:pic>
+        <p:nvPicPr>
+          <p:cNvPr id="35" name="Picture 5"/>
+          <p:cNvPicPr>
+            <a:picLocks noChangeAspect="1" noChangeArrowheads="1"/>
+          </p:cNvPicPr>
+          <p:nvPr/>
+        </p:nvPicPr>
+        <p:blipFill>
+          <a:blip r:embed="rId4" cstate="print"/>
+          <a:srcRect/>
+          <a:stretch>
+            <a:fillRect/>
+          </a:stretch>
+        </p:blipFill>
+        <p:spPr bwMode="auto">
+          <a:xfrm>
+            <a:off x="3071802" y="642918"/>
+            <a:ext cx="1071570" cy="1002911"/>
+          </a:xfrm>
+          <a:prstGeom prst="rect">
+            <a:avLst/>
+          </a:prstGeom>
+          <a:noFill/>
+          <a:ln w="9525">
+            <a:noFill/>
+            <a:miter lim="800000"/>
+            <a:headEnd/>
+            <a:tailEnd/>
+          </a:ln>
+          <a:effectLst/>
         </p:spPr>
       </p:pic>
     </p:spTree>
